--- a/Fall2018 Lecture Notes/Chapter 16 Lecture.pptx
+++ b/Fall2018 Lecture Notes/Chapter 16 Lecture.pptx
@@ -164,87 +164,53 @@
 </p:presentation>
 </file>
 
+<file path=ppt/revisionInfo.xml><?xml version="1.0" encoding="utf-8"?>
+<p1510:revInfo xmlns:a="http://schemas.openxmlformats.org/drawingml/2006/main" xmlns:r="http://schemas.openxmlformats.org/officeDocument/2006/relationships" xmlns:p1510="http://schemas.microsoft.com/office/powerpoint/2015/10/main">
+  <p1510:revLst>
+    <p1510:client id="{678ACBA5-2730-4665-A030-5234BCF06C37}" v="78" dt="2019-05-09T17:01:45.974"/>
+  </p1510:revLst>
+</p1510:revInfo>
+</file>
+
 <file path=ppt/changesInfos/changesInfo1.xml><?xml version="1.0" encoding="utf-8"?>
 <pc:chgInfo xmlns:a="http://schemas.openxmlformats.org/drawingml/2006/main" xmlns:r="http://schemas.openxmlformats.org/officeDocument/2006/relationships" xmlns:ac="http://schemas.microsoft.com/office/drawing/2013/main/command" xmlns:pc="http://schemas.microsoft.com/office/powerpoint/2013/main/command">
   <pc:docChgLst>
     <pc:chgData name="Tabetha Hopke" userId="5e7e88d54752368c" providerId="LiveId" clId="{F7AF48CF-1EC6-4021-82E9-323D2520FA71}"/>
-    <pc:docChg chg="modSld">
-      <pc:chgData name="Tabetha Hopke" userId="5e7e88d54752368c" providerId="LiveId" clId="{F7AF48CF-1EC6-4021-82E9-323D2520FA71}" dt="2018-11-27T12:54:49.664" v="9" actId="20577"/>
+  </pc:docChgLst>
+  <pc:docChgLst>
+    <pc:chgData name="Tabetha Hopke" userId="5e7e88d54752368c" providerId="LiveId" clId="{678ACBA5-2730-4665-A030-5234BCF06C37}"/>
+    <pc:docChg chg="undo modSld">
+      <pc:chgData name="Tabetha Hopke" userId="5e7e88d54752368c" providerId="LiveId" clId="{678ACBA5-2730-4665-A030-5234BCF06C37}" dt="2019-05-09T17:01:45.974" v="77" actId="20577"/>
       <pc:docMkLst>
         <pc:docMk/>
       </pc:docMkLst>
       <pc:sldChg chg="modSp">
-        <pc:chgData name="Tabetha Hopke" userId="5e7e88d54752368c" providerId="LiveId" clId="{F7AF48CF-1EC6-4021-82E9-323D2520FA71}" dt="2018-11-27T12:54:49.664" v="9" actId="20577"/>
+        <pc:chgData name="Tabetha Hopke" userId="5e7e88d54752368c" providerId="LiveId" clId="{678ACBA5-2730-4665-A030-5234BCF06C37}" dt="2019-05-09T17:00:19.388" v="64" actId="20577"/>
         <pc:sldMkLst>
           <pc:docMk/>
-          <pc:sldMk cId="1891713901" sldId="342"/>
+          <pc:sldMk cId="2224047783" sldId="320"/>
         </pc:sldMkLst>
         <pc:spChg chg="mod">
-          <ac:chgData name="Tabetha Hopke" userId="5e7e88d54752368c" providerId="LiveId" clId="{F7AF48CF-1EC6-4021-82E9-323D2520FA71}" dt="2018-11-27T12:54:49.664" v="9" actId="20577"/>
+          <ac:chgData name="Tabetha Hopke" userId="5e7e88d54752368c" providerId="LiveId" clId="{678ACBA5-2730-4665-A030-5234BCF06C37}" dt="2019-05-09T17:00:19.388" v="64" actId="20577"/>
           <ac:spMkLst>
             <pc:docMk/>
-            <pc:sldMk cId="1891713901" sldId="342"/>
-            <ac:spMk id="2" creationId="{00000000-0000-0000-0000-000000000000}"/>
+            <pc:sldMk cId="2224047783" sldId="320"/>
+            <ac:spMk id="3" creationId="{00000000-0000-0000-0000-000000000000}"/>
           </ac:spMkLst>
         </pc:spChg>
       </pc:sldChg>
       <pc:sldChg chg="modSp">
-        <pc:chgData name="Tabetha Hopke" userId="5e7e88d54752368c" providerId="LiveId" clId="{F7AF48CF-1EC6-4021-82E9-323D2520FA71}" dt="2018-11-27T12:54:43.949" v="7" actId="20577"/>
+        <pc:chgData name="Tabetha Hopke" userId="5e7e88d54752368c" providerId="LiveId" clId="{678ACBA5-2730-4665-A030-5234BCF06C37}" dt="2019-05-09T17:01:45.974" v="77" actId="20577"/>
         <pc:sldMkLst>
           <pc:docMk/>
-          <pc:sldMk cId="2534152924" sldId="343"/>
+          <pc:sldMk cId="2224047783" sldId="321"/>
         </pc:sldMkLst>
         <pc:spChg chg="mod">
-          <ac:chgData name="Tabetha Hopke" userId="5e7e88d54752368c" providerId="LiveId" clId="{F7AF48CF-1EC6-4021-82E9-323D2520FA71}" dt="2018-11-27T12:54:43.949" v="7" actId="20577"/>
+          <ac:chgData name="Tabetha Hopke" userId="5e7e88d54752368c" providerId="LiveId" clId="{678ACBA5-2730-4665-A030-5234BCF06C37}" dt="2019-05-09T17:01:45.974" v="77" actId="20577"/>
           <ac:spMkLst>
             <pc:docMk/>
-            <pc:sldMk cId="2534152924" sldId="343"/>
-            <ac:spMk id="2" creationId="{00000000-0000-0000-0000-000000000000}"/>
-          </ac:spMkLst>
-        </pc:spChg>
-      </pc:sldChg>
-      <pc:sldChg chg="modSp">
-        <pc:chgData name="Tabetha Hopke" userId="5e7e88d54752368c" providerId="LiveId" clId="{F7AF48CF-1EC6-4021-82E9-323D2520FA71}" dt="2018-11-27T12:54:38.986" v="5" actId="20577"/>
-        <pc:sldMkLst>
-          <pc:docMk/>
-          <pc:sldMk cId="2723679434" sldId="344"/>
-        </pc:sldMkLst>
-        <pc:spChg chg="mod">
-          <ac:chgData name="Tabetha Hopke" userId="5e7e88d54752368c" providerId="LiveId" clId="{F7AF48CF-1EC6-4021-82E9-323D2520FA71}" dt="2018-11-27T12:54:38.986" v="5" actId="20577"/>
-          <ac:spMkLst>
-            <pc:docMk/>
-            <pc:sldMk cId="2723679434" sldId="344"/>
-            <ac:spMk id="2" creationId="{DEE8C9C5-237F-4FC2-8C73-EAFE4331F22F}"/>
-          </ac:spMkLst>
-        </pc:spChg>
-      </pc:sldChg>
-      <pc:sldChg chg="modSp">
-        <pc:chgData name="Tabetha Hopke" userId="5e7e88d54752368c" providerId="LiveId" clId="{F7AF48CF-1EC6-4021-82E9-323D2520FA71}" dt="2018-11-27T12:54:32.009" v="3" actId="20577"/>
-        <pc:sldMkLst>
-          <pc:docMk/>
-          <pc:sldMk cId="1749333405" sldId="345"/>
-        </pc:sldMkLst>
-        <pc:spChg chg="mod">
-          <ac:chgData name="Tabetha Hopke" userId="5e7e88d54752368c" providerId="LiveId" clId="{F7AF48CF-1EC6-4021-82E9-323D2520FA71}" dt="2018-11-27T12:54:32.009" v="3" actId="20577"/>
-          <ac:spMkLst>
-            <pc:docMk/>
-            <pc:sldMk cId="1749333405" sldId="345"/>
-            <ac:spMk id="2" creationId="{F537FD76-9477-492B-81A9-151CEDB2BF4E}"/>
-          </ac:spMkLst>
-        </pc:spChg>
-      </pc:sldChg>
-      <pc:sldChg chg="modSp">
-        <pc:chgData name="Tabetha Hopke" userId="5e7e88d54752368c" providerId="LiveId" clId="{F7AF48CF-1EC6-4021-82E9-323D2520FA71}" dt="2018-11-27T12:54:22.289" v="1" actId="20577"/>
-        <pc:sldMkLst>
-          <pc:docMk/>
-          <pc:sldMk cId="3601493065" sldId="346"/>
-        </pc:sldMkLst>
-        <pc:spChg chg="mod">
-          <ac:chgData name="Tabetha Hopke" userId="5e7e88d54752368c" providerId="LiveId" clId="{F7AF48CF-1EC6-4021-82E9-323D2520FA71}" dt="2018-11-27T12:54:22.289" v="1" actId="20577"/>
-          <ac:spMkLst>
-            <pc:docMk/>
-            <pc:sldMk cId="3601493065" sldId="346"/>
-            <ac:spMk id="2" creationId="{0D1B8EAE-22BB-475D-96BB-6FCD5F461F84}"/>
+            <pc:sldMk cId="2224047783" sldId="321"/>
+            <ac:spMk id="3" creationId="{00000000-0000-0000-0000-000000000000}"/>
           </ac:spMkLst>
         </pc:spChg>
       </pc:sldChg>
@@ -8362,7 +8328,7 @@
           <a:p>
             <a:fld id="{A55A34E6-C7EA-4242-9DA2-963562E4B064}" type="datetimeFigureOut">
               <a:rPr lang="en-US" smtClean="0"/>
-              <a:t>11/27/2018</a:t>
+              <a:t>5/9/2019</a:t>
             </a:fld>
             <a:endParaRPr lang="en-US"/>
           </a:p>
@@ -9093,7 +9059,7 @@
           <a:p>
             <a:fld id="{A55A34E6-C7EA-4242-9DA2-963562E4B064}" type="datetimeFigureOut">
               <a:rPr lang="en-US" smtClean="0"/>
-              <a:t>11/27/2018</a:t>
+              <a:t>5/9/2019</a:t>
             </a:fld>
             <a:endParaRPr lang="en-US"/>
           </a:p>
@@ -11020,7 +10986,7 @@
             <a:pPr lvl="1"/>
             <a:r>
               <a:rPr lang="en-US" dirty="0"/>
-              <a:t>No relationship between TV time and cholesterol </a:t>
+              <a:t>TV time does not predict cholesterol </a:t>
             </a:r>
           </a:p>
           <a:p>
@@ -11055,7 +11021,7 @@
             <a:pPr lvl="1"/>
             <a:r>
               <a:rPr lang="en-US" dirty="0"/>
-              <a:t>Relationship between TV time and cholesterol </a:t>
+              <a:t>TV time does predict cholesterol </a:t>
             </a:r>
           </a:p>
           <a:p>
@@ -11193,7 +11159,11 @@
             </a:r>
             <a:r>
               <a:rPr lang="en-US" dirty="0"/>
-              <a:t>= β</a:t>
+              <a:t>= </a:t>
+            </a:r>
+            <a:r>
+              <a:rPr lang="en-US" i="1" dirty="0"/>
+              <a:t>b</a:t>
             </a:r>
             <a:r>
               <a:rPr lang="en-US" baseline="-25000" dirty="0"/>
@@ -11201,7 +11171,11 @@
             </a:r>
             <a:r>
               <a:rPr lang="en-US" dirty="0"/>
-              <a:t> + β</a:t>
+              <a:t> + </a:t>
+            </a:r>
+            <a:r>
+              <a:rPr lang="en-US" i="1" dirty="0"/>
+              <a:t>b</a:t>
             </a:r>
             <a:r>
               <a:rPr lang="en-US" baseline="-25000" dirty="0"/>
@@ -11215,8 +11189,8 @@
           <a:p>
             <a:pPr lvl="1"/>
             <a:r>
-              <a:rPr lang="en-US" dirty="0"/>
-              <a:t>β</a:t>
+              <a:rPr lang="en-US" i="1" dirty="0"/>
+              <a:t>b</a:t>
             </a:r>
             <a:r>
               <a:rPr lang="en-US" baseline="-25000" dirty="0"/>
@@ -11224,7 +11198,11 @@
             </a:r>
             <a:r>
               <a:rPr lang="en-US" dirty="0"/>
-              <a:t> is the intercept (also known as the constant), β</a:t>
+              <a:t> is the intercept (also known as the constant), </a:t>
+            </a:r>
+            <a:r>
+              <a:rPr lang="en-US" i="1" dirty="0"/>
+              <a:t>b</a:t>
             </a:r>
             <a:r>
               <a:rPr lang="en-US" baseline="-25000" dirty="0"/>
@@ -13654,7 +13632,7 @@
                       <a:noFill/>
                       <a:extLst>
                         <a:ext uri="{909E8E84-426E-40dd-AFC4-6F175D3DCCD1}">
-                          <a14:hiddenFill xmlns:a14="http://schemas.microsoft.com/office/drawing/2010/main" xmlns="">
+                          <a14:hiddenFill xmlns="" xmlns:a14="http://schemas.microsoft.com/office/drawing/2010/main">
                             <a:solidFill>
                               <a:srgbClr val="FFFFFF"/>
                             </a:solidFill>
